--- a/Aktives Zuhören - Präsentation.pptx
+++ b/Aktives Zuhören - Präsentation.pptx
@@ -19,7 +19,7 @@
     <p:sldId id="266" r:id="rId10"/>
     <p:sldId id="267" r:id="rId11"/>
     <p:sldId id="263" r:id="rId12"/>
-    <p:sldId id="264" r:id="rId13"/>
+    <p:sldId id="268" r:id="rId13"/>
   </p:sldIdLst>
   <p:sldSz cx="12192000" cy="6858000"/>
   <p:notesSz cx="6858000" cy="9144000"/>
@@ -208,7 +208,7 @@
           <a:p>
             <a:fld id="{C2B01A3F-AD24-49BE-AF8B-FA731D3DBCAF}" type="datetimeFigureOut">
               <a:rPr lang="de-CH" smtClean="0"/>
-              <a:t>17.05.2018</a:t>
+              <a:t>18.05.2018</a:t>
             </a:fld>
             <a:endParaRPr lang="de-CH"/>
           </a:p>
@@ -567,6 +567,369 @@
 </p:notes>
 </file>
 
+<file path=ppt/notesSlides/notesSlide10.xml><?xml version="1.0" encoding="utf-8"?>
+<p:notes xmlns:a="http://schemas.openxmlformats.org/drawingml/2006/main" xmlns:r="http://schemas.openxmlformats.org/officeDocument/2006/relationships" xmlns:p="http://schemas.openxmlformats.org/presentationml/2006/main">
+  <p:cSld>
+    <p:spTree>
+      <p:nvGrpSpPr>
+        <p:cNvPr id="1" name=""/>
+        <p:cNvGrpSpPr/>
+        <p:nvPr/>
+      </p:nvGrpSpPr>
+      <p:grpSpPr>
+        <a:xfrm>
+          <a:off x="0" y="0"/>
+          <a:ext cx="0" cy="0"/>
+          <a:chOff x="0" y="0"/>
+          <a:chExt cx="0" cy="0"/>
+        </a:xfrm>
+      </p:grpSpPr>
+      <p:sp>
+        <p:nvSpPr>
+          <p:cNvPr id="2" name="Folienbildplatzhalter 1"/>
+          <p:cNvSpPr>
+            <a:spLocks noGrp="1" noRot="1" noChangeAspect="1"/>
+          </p:cNvSpPr>
+          <p:nvPr>
+            <p:ph type="sldImg"/>
+          </p:nvPr>
+        </p:nvSpPr>
+        <p:spPr/>
+      </p:sp>
+      <p:sp>
+        <p:nvSpPr>
+          <p:cNvPr id="3" name="Notizenplatzhalter 2"/>
+          <p:cNvSpPr>
+            <a:spLocks noGrp="1"/>
+          </p:cNvSpPr>
+          <p:nvPr>
+            <p:ph type="body" idx="1"/>
+          </p:nvPr>
+        </p:nvSpPr>
+        <p:spPr/>
+        <p:txBody>
+          <a:bodyPr/>
+          <a:lstStyle/>
+          <a:p>
+            <a:pPr marL="171450" indent="-171450">
+              <a:buFont typeface="Arial" panose="020B0604020202020204" pitchFamily="34" charset="0"/>
+              <a:buChar char="•"/>
+            </a:pPr>
+            <a:r>
+              <a:rPr lang="de-CH" dirty="0"/>
+              <a:t>Wenn man angegriffen wird, sollte man sich verteidigen.</a:t>
+            </a:r>
+          </a:p>
+          <a:p>
+            <a:pPr marL="171450" indent="-171450">
+              <a:buFont typeface="Arial" panose="020B0604020202020204" pitchFamily="34" charset="0"/>
+              <a:buChar char="•"/>
+            </a:pPr>
+            <a:r>
+              <a:rPr lang="de-CH" dirty="0"/>
+              <a:t>Wenn man zu einer Meinung aufgefordert wird</a:t>
+            </a:r>
+          </a:p>
+        </p:txBody>
+      </p:sp>
+      <p:sp>
+        <p:nvSpPr>
+          <p:cNvPr id="4" name="Foliennummernplatzhalter 3"/>
+          <p:cNvSpPr>
+            <a:spLocks noGrp="1"/>
+          </p:cNvSpPr>
+          <p:nvPr>
+            <p:ph type="sldNum" sz="quarter" idx="10"/>
+          </p:nvPr>
+        </p:nvSpPr>
+        <p:spPr/>
+        <p:txBody>
+          <a:bodyPr/>
+          <a:lstStyle/>
+          <a:p>
+            <a:fld id="{5255DCAF-3449-4CA5-A60C-3C275E83F291}" type="slidenum">
+              <a:rPr lang="de-CH" smtClean="0"/>
+              <a:t>10</a:t>
+            </a:fld>
+            <a:endParaRPr lang="de-CH"/>
+          </a:p>
+        </p:txBody>
+      </p:sp>
+    </p:spTree>
+    <p:extLst>
+      <p:ext uri="{BB962C8B-B14F-4D97-AF65-F5344CB8AC3E}">
+        <p14:creationId xmlns:p14="http://schemas.microsoft.com/office/powerpoint/2010/main" val="1877381921"/>
+      </p:ext>
+    </p:extLst>
+  </p:cSld>
+  <p:clrMapOvr>
+    <a:masterClrMapping/>
+  </p:clrMapOvr>
+</p:notes>
+</file>
+
+<file path=ppt/notesSlides/notesSlide11.xml><?xml version="1.0" encoding="utf-8"?>
+<p:notes xmlns:a="http://schemas.openxmlformats.org/drawingml/2006/main" xmlns:r="http://schemas.openxmlformats.org/officeDocument/2006/relationships" xmlns:p="http://schemas.openxmlformats.org/presentationml/2006/main">
+  <p:cSld>
+    <p:spTree>
+      <p:nvGrpSpPr>
+        <p:cNvPr id="1" name=""/>
+        <p:cNvGrpSpPr/>
+        <p:nvPr/>
+      </p:nvGrpSpPr>
+      <p:grpSpPr>
+        <a:xfrm>
+          <a:off x="0" y="0"/>
+          <a:ext cx="0" cy="0"/>
+          <a:chOff x="0" y="0"/>
+          <a:chExt cx="0" cy="0"/>
+        </a:xfrm>
+      </p:grpSpPr>
+      <p:sp>
+        <p:nvSpPr>
+          <p:cNvPr id="2" name="Folienbildplatzhalter 1"/>
+          <p:cNvSpPr>
+            <a:spLocks noGrp="1" noRot="1" noChangeAspect="1"/>
+          </p:cNvSpPr>
+          <p:nvPr>
+            <p:ph type="sldImg"/>
+          </p:nvPr>
+        </p:nvSpPr>
+        <p:spPr/>
+      </p:sp>
+      <p:sp>
+        <p:nvSpPr>
+          <p:cNvPr id="3" name="Notizenplatzhalter 2"/>
+          <p:cNvSpPr>
+            <a:spLocks noGrp="1"/>
+          </p:cNvSpPr>
+          <p:nvPr>
+            <p:ph type="body" idx="1"/>
+          </p:nvPr>
+        </p:nvSpPr>
+        <p:spPr/>
+        <p:txBody>
+          <a:bodyPr/>
+          <a:lstStyle/>
+          <a:p>
+            <a:pPr marL="171450" indent="-171450">
+              <a:buFont typeface="Arial" panose="020B0604020202020204" pitchFamily="34" charset="0"/>
+              <a:buChar char="•"/>
+            </a:pPr>
+            <a:r>
+              <a:rPr lang="de-CH" dirty="0"/>
+              <a:t>Einleitung für Rollenspiel</a:t>
+            </a:r>
+          </a:p>
+          <a:p>
+            <a:pPr marL="171450" indent="-171450">
+              <a:buFont typeface="Arial" panose="020B0604020202020204" pitchFamily="34" charset="0"/>
+              <a:buChar char="•"/>
+            </a:pPr>
+            <a:r>
+              <a:rPr lang="de-CH" dirty="0"/>
+              <a:t>Eigentliches Rollenspiel</a:t>
+            </a:r>
+          </a:p>
+          <a:p>
+            <a:pPr marL="171450" indent="-171450">
+              <a:buFont typeface="Arial" panose="020B0604020202020204" pitchFamily="34" charset="0"/>
+              <a:buChar char="•"/>
+            </a:pPr>
+            <a:r>
+              <a:rPr lang="de-CH" dirty="0"/>
+              <a:t>Was war schlecht?</a:t>
+            </a:r>
+          </a:p>
+          <a:p>
+            <a:pPr marL="171450" indent="-171450">
+              <a:buFont typeface="Arial" panose="020B0604020202020204" pitchFamily="34" charset="0"/>
+              <a:buChar char="•"/>
+            </a:pPr>
+            <a:r>
+              <a:rPr lang="de-CH" dirty="0"/>
+              <a:t>Lässt nicht ausreden</a:t>
+            </a:r>
+          </a:p>
+          <a:p>
+            <a:pPr marL="171450" indent="-171450">
+              <a:buFont typeface="Arial" panose="020B0604020202020204" pitchFamily="34" charset="0"/>
+              <a:buChar char="•"/>
+            </a:pPr>
+            <a:r>
+              <a:rPr lang="de-CH" dirty="0"/>
+              <a:t>Unterbricht den anderen</a:t>
+            </a:r>
+          </a:p>
+          <a:p>
+            <a:pPr marL="171450" indent="-171450">
+              <a:buFont typeface="Arial" panose="020B0604020202020204" pitchFamily="34" charset="0"/>
+              <a:buChar char="•"/>
+            </a:pPr>
+            <a:r>
+              <a:rPr lang="de-CH" dirty="0"/>
+              <a:t>Hört nicht zu</a:t>
+            </a:r>
+          </a:p>
+          <a:p>
+            <a:pPr marL="171450" indent="-171450">
+              <a:buFont typeface="Arial" panose="020B0604020202020204" pitchFamily="34" charset="0"/>
+              <a:buChar char="•"/>
+            </a:pPr>
+            <a:r>
+              <a:rPr lang="de-CH" dirty="0"/>
+              <a:t>Schaut ihn nicht an</a:t>
+            </a:r>
+          </a:p>
+          <a:p>
+            <a:pPr marL="171450" indent="-171450">
+              <a:buFont typeface="Arial" panose="020B0604020202020204" pitchFamily="34" charset="0"/>
+              <a:buChar char="•"/>
+            </a:pPr>
+            <a:r>
+              <a:rPr lang="de-CH" dirty="0"/>
+              <a:t>Gutes Beispiel</a:t>
+            </a:r>
+          </a:p>
+          <a:p>
+            <a:pPr marL="171450" indent="-171450">
+              <a:buFont typeface="Arial" panose="020B0604020202020204" pitchFamily="34" charset="0"/>
+              <a:buChar char="•"/>
+            </a:pPr>
+            <a:r>
+              <a:rPr lang="de-CH" dirty="0"/>
+              <a:t>Blickkontakt, Aktives Zuhören, Gefühle in Worte fassen («Ich verstehe ihre Wut»), Meinung verstehen</a:t>
+            </a:r>
+          </a:p>
+        </p:txBody>
+      </p:sp>
+      <p:sp>
+        <p:nvSpPr>
+          <p:cNvPr id="4" name="Foliennummernplatzhalter 3"/>
+          <p:cNvSpPr>
+            <a:spLocks noGrp="1"/>
+          </p:cNvSpPr>
+          <p:nvPr>
+            <p:ph type="sldNum" sz="quarter" idx="10"/>
+          </p:nvPr>
+        </p:nvSpPr>
+        <p:spPr/>
+        <p:txBody>
+          <a:bodyPr/>
+          <a:lstStyle/>
+          <a:p>
+            <a:fld id="{5255DCAF-3449-4CA5-A60C-3C275E83F291}" type="slidenum">
+              <a:rPr lang="de-CH" smtClean="0"/>
+              <a:t>11</a:t>
+            </a:fld>
+            <a:endParaRPr lang="de-CH"/>
+          </a:p>
+        </p:txBody>
+      </p:sp>
+    </p:spTree>
+    <p:extLst>
+      <p:ext uri="{BB962C8B-B14F-4D97-AF65-F5344CB8AC3E}">
+        <p14:creationId xmlns:p14="http://schemas.microsoft.com/office/powerpoint/2010/main" val="1835473966"/>
+      </p:ext>
+    </p:extLst>
+  </p:cSld>
+  <p:clrMapOvr>
+    <a:masterClrMapping/>
+  </p:clrMapOvr>
+</p:notes>
+</file>
+
+<file path=ppt/notesSlides/notesSlide12.xml><?xml version="1.0" encoding="utf-8"?>
+<p:notes xmlns:a="http://schemas.openxmlformats.org/drawingml/2006/main" xmlns:r="http://schemas.openxmlformats.org/officeDocument/2006/relationships" xmlns:p="http://schemas.openxmlformats.org/presentationml/2006/main">
+  <p:cSld>
+    <p:spTree>
+      <p:nvGrpSpPr>
+        <p:cNvPr id="1" name=""/>
+        <p:cNvGrpSpPr/>
+        <p:nvPr/>
+      </p:nvGrpSpPr>
+      <p:grpSpPr>
+        <a:xfrm>
+          <a:off x="0" y="0"/>
+          <a:ext cx="0" cy="0"/>
+          <a:chOff x="0" y="0"/>
+          <a:chExt cx="0" cy="0"/>
+        </a:xfrm>
+      </p:grpSpPr>
+      <p:sp>
+        <p:nvSpPr>
+          <p:cNvPr id="2" name="Folienbildplatzhalter 1"/>
+          <p:cNvSpPr>
+            <a:spLocks noGrp="1" noRot="1" noChangeAspect="1"/>
+          </p:cNvSpPr>
+          <p:nvPr>
+            <p:ph type="sldImg"/>
+          </p:nvPr>
+        </p:nvSpPr>
+        <p:spPr/>
+      </p:sp>
+      <p:sp>
+        <p:nvSpPr>
+          <p:cNvPr id="3" name="Notizenplatzhalter 2"/>
+          <p:cNvSpPr>
+            <a:spLocks noGrp="1"/>
+          </p:cNvSpPr>
+          <p:nvPr>
+            <p:ph type="body" idx="1"/>
+          </p:nvPr>
+        </p:nvSpPr>
+        <p:spPr/>
+        <p:txBody>
+          <a:bodyPr/>
+          <a:lstStyle/>
+          <a:p>
+            <a:pPr marL="171450" indent="-171450">
+              <a:buFont typeface="Arial" panose="020B0604020202020204" pitchFamily="34" charset="0"/>
+              <a:buChar char="•"/>
+            </a:pPr>
+            <a:r>
+              <a:rPr lang="de-CH" dirty="0"/>
+              <a:t>Zeit für Fragen</a:t>
+            </a:r>
+          </a:p>
+        </p:txBody>
+      </p:sp>
+      <p:sp>
+        <p:nvSpPr>
+          <p:cNvPr id="4" name="Foliennummernplatzhalter 3"/>
+          <p:cNvSpPr>
+            <a:spLocks noGrp="1"/>
+          </p:cNvSpPr>
+          <p:nvPr>
+            <p:ph type="sldNum" sz="quarter" idx="10"/>
+          </p:nvPr>
+        </p:nvSpPr>
+        <p:spPr/>
+        <p:txBody>
+          <a:bodyPr/>
+          <a:lstStyle/>
+          <a:p>
+            <a:fld id="{5255DCAF-3449-4CA5-A60C-3C275E83F291}" type="slidenum">
+              <a:rPr lang="de-CH" smtClean="0"/>
+              <a:t>12</a:t>
+            </a:fld>
+            <a:endParaRPr lang="de-CH"/>
+          </a:p>
+        </p:txBody>
+      </p:sp>
+    </p:spTree>
+    <p:extLst>
+      <p:ext uri="{BB962C8B-B14F-4D97-AF65-F5344CB8AC3E}">
+        <p14:creationId xmlns:p14="http://schemas.microsoft.com/office/powerpoint/2010/main" val="1586363175"/>
+      </p:ext>
+    </p:extLst>
+  </p:cSld>
+  <p:clrMapOvr>
+    <a:masterClrMapping/>
+  </p:clrMapOvr>
+</p:notes>
+</file>
+
 <file path=ppt/notesSlides/notesSlide2.xml><?xml version="1.0" encoding="utf-8"?>
 <p:notes xmlns:a="http://schemas.openxmlformats.org/drawingml/2006/main" xmlns:r="http://schemas.openxmlformats.org/officeDocument/2006/relationships" xmlns:p="http://schemas.openxmlformats.org/presentationml/2006/main">
   <p:cSld>
@@ -798,7 +1161,7 @@
             </a:pPr>
             <a:r>
               <a:rPr lang="de-CH" dirty="0"/>
-              <a:t>Den anderen Respektieren</a:t>
+              <a:t>Den anderen respektieren</a:t>
             </a:r>
           </a:p>
         </p:txBody>
@@ -1255,6 +1618,16 @@
               <a:buFont typeface="Arial" panose="020B0604020202020204" pitchFamily="34" charset="0"/>
               <a:buChar char="•"/>
             </a:pPr>
+            <a:r>
+              <a:rPr lang="de-CH" dirty="0"/>
+              <a:t>Gefühle des anderen vermuten</a:t>
+            </a:r>
+          </a:p>
+          <a:p>
+            <a:pPr marL="171450" indent="-171450">
+              <a:buFont typeface="Arial" panose="020B0604020202020204" pitchFamily="34" charset="0"/>
+              <a:buChar char="•"/>
+            </a:pPr>
             <a:endParaRPr lang="de-CH" dirty="0"/>
           </a:p>
         </p:txBody>
@@ -1286,6 +1659,238 @@
     <p:extLst>
       <p:ext uri="{BB962C8B-B14F-4D97-AF65-F5344CB8AC3E}">
         <p14:creationId xmlns:p14="http://schemas.microsoft.com/office/powerpoint/2010/main" val="258367601"/>
+      </p:ext>
+    </p:extLst>
+  </p:cSld>
+  <p:clrMapOvr>
+    <a:masterClrMapping/>
+  </p:clrMapOvr>
+</p:notes>
+</file>
+
+<file path=ppt/notesSlides/notesSlide8.xml><?xml version="1.0" encoding="utf-8"?>
+<p:notes xmlns:a="http://schemas.openxmlformats.org/drawingml/2006/main" xmlns:r="http://schemas.openxmlformats.org/officeDocument/2006/relationships" xmlns:p="http://schemas.openxmlformats.org/presentationml/2006/main">
+  <p:cSld>
+    <p:spTree>
+      <p:nvGrpSpPr>
+        <p:cNvPr id="1" name=""/>
+        <p:cNvGrpSpPr/>
+        <p:nvPr/>
+      </p:nvGrpSpPr>
+      <p:grpSpPr>
+        <a:xfrm>
+          <a:off x="0" y="0"/>
+          <a:ext cx="0" cy="0"/>
+          <a:chOff x="0" y="0"/>
+          <a:chExt cx="0" cy="0"/>
+        </a:xfrm>
+      </p:grpSpPr>
+      <p:sp>
+        <p:nvSpPr>
+          <p:cNvPr id="2" name="Folienbildplatzhalter 1"/>
+          <p:cNvSpPr>
+            <a:spLocks noGrp="1" noRot="1" noChangeAspect="1"/>
+          </p:cNvSpPr>
+          <p:nvPr>
+            <p:ph type="sldImg"/>
+          </p:nvPr>
+        </p:nvSpPr>
+        <p:spPr/>
+      </p:sp>
+      <p:sp>
+        <p:nvSpPr>
+          <p:cNvPr id="3" name="Notizenplatzhalter 2"/>
+          <p:cNvSpPr>
+            <a:spLocks noGrp="1"/>
+          </p:cNvSpPr>
+          <p:nvPr>
+            <p:ph type="body" idx="1"/>
+          </p:nvPr>
+        </p:nvSpPr>
+        <p:spPr/>
+        <p:txBody>
+          <a:bodyPr/>
+          <a:lstStyle/>
+          <a:p>
+            <a:pPr marL="171450" indent="-171450">
+              <a:buFont typeface="Arial" panose="020B0604020202020204" pitchFamily="34" charset="0"/>
+              <a:buChar char="•"/>
+            </a:pPr>
+            <a:r>
+              <a:rPr lang="de-CH" dirty="0"/>
+              <a:t>Man sollte die eigene Meinung nicht ins Spiel bringen</a:t>
+            </a:r>
+          </a:p>
+          <a:p>
+            <a:pPr marL="171450" indent="-171450">
+              <a:buFont typeface="Arial" panose="020B0604020202020204" pitchFamily="34" charset="0"/>
+              <a:buChar char="•"/>
+            </a:pPr>
+            <a:r>
+              <a:rPr lang="de-CH" dirty="0"/>
+              <a:t>Die Führung am Redner überlassen, nicht viele Fragen stellen, sonst führt man</a:t>
+            </a:r>
+          </a:p>
+          <a:p>
+            <a:pPr marL="171450" indent="-171450">
+              <a:buFont typeface="Arial" panose="020B0604020202020204" pitchFamily="34" charset="0"/>
+              <a:buChar char="•"/>
+            </a:pPr>
+            <a:r>
+              <a:rPr lang="de-CH" dirty="0"/>
+              <a:t>Gefühlsausbrüche erlauben, keine Auswege suchen, gehört dazu</a:t>
+            </a:r>
+          </a:p>
+          <a:p>
+            <a:pPr marL="171450" indent="-171450">
+              <a:buFont typeface="Arial" panose="020B0604020202020204" pitchFamily="34" charset="0"/>
+              <a:buChar char="•"/>
+            </a:pPr>
+            <a:r>
+              <a:rPr lang="de-CH" dirty="0"/>
+              <a:t>Schweigen des Redners nicht unterbrechen, er ist am denken</a:t>
+            </a:r>
+          </a:p>
+        </p:txBody>
+      </p:sp>
+      <p:sp>
+        <p:nvSpPr>
+          <p:cNvPr id="4" name="Foliennummernplatzhalter 3"/>
+          <p:cNvSpPr>
+            <a:spLocks noGrp="1"/>
+          </p:cNvSpPr>
+          <p:nvPr>
+            <p:ph type="sldNum" sz="quarter" idx="10"/>
+          </p:nvPr>
+        </p:nvSpPr>
+        <p:spPr/>
+        <p:txBody>
+          <a:bodyPr/>
+          <a:lstStyle/>
+          <a:p>
+            <a:fld id="{5255DCAF-3449-4CA5-A60C-3C275E83F291}" type="slidenum">
+              <a:rPr lang="de-CH" smtClean="0"/>
+              <a:t>8</a:t>
+            </a:fld>
+            <a:endParaRPr lang="de-CH"/>
+          </a:p>
+        </p:txBody>
+      </p:sp>
+    </p:spTree>
+    <p:extLst>
+      <p:ext uri="{BB962C8B-B14F-4D97-AF65-F5344CB8AC3E}">
+        <p14:creationId xmlns:p14="http://schemas.microsoft.com/office/powerpoint/2010/main" val="1168213758"/>
+      </p:ext>
+    </p:extLst>
+  </p:cSld>
+  <p:clrMapOvr>
+    <a:masterClrMapping/>
+  </p:clrMapOvr>
+</p:notes>
+</file>
+
+<file path=ppt/notesSlides/notesSlide9.xml><?xml version="1.0" encoding="utf-8"?>
+<p:notes xmlns:a="http://schemas.openxmlformats.org/drawingml/2006/main" xmlns:r="http://schemas.openxmlformats.org/officeDocument/2006/relationships" xmlns:p="http://schemas.openxmlformats.org/presentationml/2006/main">
+  <p:cSld>
+    <p:spTree>
+      <p:nvGrpSpPr>
+        <p:cNvPr id="1" name=""/>
+        <p:cNvGrpSpPr/>
+        <p:nvPr/>
+      </p:nvGrpSpPr>
+      <p:grpSpPr>
+        <a:xfrm>
+          <a:off x="0" y="0"/>
+          <a:ext cx="0" cy="0"/>
+          <a:chOff x="0" y="0"/>
+          <a:chExt cx="0" cy="0"/>
+        </a:xfrm>
+      </p:grpSpPr>
+      <p:sp>
+        <p:nvSpPr>
+          <p:cNvPr id="2" name="Folienbildplatzhalter 1"/>
+          <p:cNvSpPr>
+            <a:spLocks noGrp="1" noRot="1" noChangeAspect="1"/>
+          </p:cNvSpPr>
+          <p:nvPr>
+            <p:ph type="sldImg"/>
+          </p:nvPr>
+        </p:nvSpPr>
+        <p:spPr/>
+      </p:sp>
+      <p:sp>
+        <p:nvSpPr>
+          <p:cNvPr id="3" name="Notizenplatzhalter 2"/>
+          <p:cNvSpPr>
+            <a:spLocks noGrp="1"/>
+          </p:cNvSpPr>
+          <p:nvPr>
+            <p:ph type="body" idx="1"/>
+          </p:nvPr>
+        </p:nvSpPr>
+        <p:spPr/>
+        <p:txBody>
+          <a:bodyPr/>
+          <a:lstStyle/>
+          <a:p>
+            <a:pPr marL="171450" indent="-171450">
+              <a:buFont typeface="Arial" panose="020B0604020202020204" pitchFamily="34" charset="0"/>
+              <a:buChar char="•"/>
+            </a:pPr>
+            <a:r>
+              <a:rPr lang="de-CH" dirty="0"/>
+              <a:t>Wenn man die Meinung eines anderen hören will, z.B. in einem Streitgespräch</a:t>
+            </a:r>
+          </a:p>
+          <a:p>
+            <a:pPr marL="171450" indent="-171450">
+              <a:buFont typeface="Arial" panose="020B0604020202020204" pitchFamily="34" charset="0"/>
+              <a:buChar char="•"/>
+            </a:pPr>
+            <a:r>
+              <a:rPr lang="de-CH" dirty="0"/>
+              <a:t>Wenn man sich über die Richtigkeit seines Verständnisses orientieren möchte</a:t>
+            </a:r>
+          </a:p>
+          <a:p>
+            <a:pPr marL="171450" indent="-171450">
+              <a:buFont typeface="Arial" panose="020B0604020202020204" pitchFamily="34" charset="0"/>
+              <a:buChar char="•"/>
+            </a:pPr>
+            <a:r>
+              <a:rPr lang="de-CH" dirty="0"/>
+              <a:t>In einem Beratungsgespräch damit der Redner klarer über seinen Standpunkt wird</a:t>
+            </a:r>
+          </a:p>
+        </p:txBody>
+      </p:sp>
+      <p:sp>
+        <p:nvSpPr>
+          <p:cNvPr id="4" name="Foliennummernplatzhalter 3"/>
+          <p:cNvSpPr>
+            <a:spLocks noGrp="1"/>
+          </p:cNvSpPr>
+          <p:nvPr>
+            <p:ph type="sldNum" sz="quarter" idx="10"/>
+          </p:nvPr>
+        </p:nvSpPr>
+        <p:spPr/>
+        <p:txBody>
+          <a:bodyPr/>
+          <a:lstStyle/>
+          <a:p>
+            <a:fld id="{5255DCAF-3449-4CA5-A60C-3C275E83F291}" type="slidenum">
+              <a:rPr lang="de-CH" smtClean="0"/>
+              <a:t>9</a:t>
+            </a:fld>
+            <a:endParaRPr lang="de-CH"/>
+          </a:p>
+        </p:txBody>
+      </p:sp>
+    </p:spTree>
+    <p:extLst>
+      <p:ext uri="{BB962C8B-B14F-4D97-AF65-F5344CB8AC3E}">
+        <p14:creationId xmlns:p14="http://schemas.microsoft.com/office/powerpoint/2010/main" val="2693216143"/>
       </p:ext>
     </p:extLst>
   </p:cSld>
@@ -1521,7 +2126,7 @@
           <a:p>
             <a:fld id="{A0E4BBAC-6860-452D-9471-59C0324BAA9B}" type="datetimeFigureOut">
               <a:rPr lang="de-CH" smtClean="0"/>
-              <a:t>17.05.2018</a:t>
+              <a:t>18.05.2018</a:t>
             </a:fld>
             <a:endParaRPr lang="de-CH"/>
           </a:p>
@@ -1729,7 +2334,7 @@
           <a:p>
             <a:fld id="{A0E4BBAC-6860-452D-9471-59C0324BAA9B}" type="datetimeFigureOut">
               <a:rPr lang="de-CH" smtClean="0"/>
-              <a:t>17.05.2018</a:t>
+              <a:t>18.05.2018</a:t>
             </a:fld>
             <a:endParaRPr lang="de-CH"/>
           </a:p>
@@ -1985,7 +2590,7 @@
           <a:p>
             <a:fld id="{A0E4BBAC-6860-452D-9471-59C0324BAA9B}" type="datetimeFigureOut">
               <a:rPr lang="de-CH" smtClean="0"/>
-              <a:t>17.05.2018</a:t>
+              <a:t>18.05.2018</a:t>
             </a:fld>
             <a:endParaRPr lang="de-CH"/>
           </a:p>
@@ -2155,7 +2760,7 @@
           <a:p>
             <a:fld id="{A0E4BBAC-6860-452D-9471-59C0324BAA9B}" type="datetimeFigureOut">
               <a:rPr lang="de-CH" smtClean="0"/>
-              <a:t>17.05.2018</a:t>
+              <a:t>18.05.2018</a:t>
             </a:fld>
             <a:endParaRPr lang="de-CH"/>
           </a:p>
@@ -2498,7 +3103,7 @@
           <a:p>
             <a:fld id="{A0E4BBAC-6860-452D-9471-59C0324BAA9B}" type="datetimeFigureOut">
               <a:rPr lang="de-CH" smtClean="0"/>
-              <a:t>17.05.2018</a:t>
+              <a:t>18.05.2018</a:t>
             </a:fld>
             <a:endParaRPr lang="de-CH"/>
           </a:p>
@@ -2773,7 +3378,7 @@
           <a:p>
             <a:fld id="{A0E4BBAC-6860-452D-9471-59C0324BAA9B}" type="datetimeFigureOut">
               <a:rPr lang="de-CH" smtClean="0"/>
-              <a:t>17.05.2018</a:t>
+              <a:t>18.05.2018</a:t>
             </a:fld>
             <a:endParaRPr lang="de-CH"/>
           </a:p>
@@ -3152,7 +3757,7 @@
           <a:p>
             <a:fld id="{A0E4BBAC-6860-452D-9471-59C0324BAA9B}" type="datetimeFigureOut">
               <a:rPr lang="de-CH" smtClean="0"/>
-              <a:t>17.05.2018</a:t>
+              <a:t>18.05.2018</a:t>
             </a:fld>
             <a:endParaRPr lang="de-CH"/>
           </a:p>
@@ -3270,7 +3875,7 @@
           <a:p>
             <a:fld id="{A0E4BBAC-6860-452D-9471-59C0324BAA9B}" type="datetimeFigureOut">
               <a:rPr lang="de-CH" smtClean="0"/>
-              <a:t>17.05.2018</a:t>
+              <a:t>18.05.2018</a:t>
             </a:fld>
             <a:endParaRPr lang="de-CH"/>
           </a:p>
@@ -3441,7 +4046,7 @@
           <a:p>
             <a:fld id="{A0E4BBAC-6860-452D-9471-59C0324BAA9B}" type="datetimeFigureOut">
               <a:rPr lang="de-CH" smtClean="0"/>
-              <a:t>17.05.2018</a:t>
+              <a:t>18.05.2018</a:t>
             </a:fld>
             <a:endParaRPr lang="de-CH"/>
           </a:p>
@@ -3795,7 +4400,7 @@
           <a:p>
             <a:fld id="{A0E4BBAC-6860-452D-9471-59C0324BAA9B}" type="datetimeFigureOut">
               <a:rPr lang="de-CH" smtClean="0"/>
-              <a:t>17.05.2018</a:t>
+              <a:t>18.05.2018</a:t>
             </a:fld>
             <a:endParaRPr lang="de-CH"/>
           </a:p>
@@ -4172,7 +4777,7 @@
           <a:p>
             <a:fld id="{A0E4BBAC-6860-452D-9471-59C0324BAA9B}" type="datetimeFigureOut">
               <a:rPr lang="de-CH" smtClean="0"/>
-              <a:t>17.05.2018</a:t>
+              <a:t>18.05.2018</a:t>
             </a:fld>
             <a:endParaRPr lang="de-CH"/>
           </a:p>
@@ -4459,7 +5064,7 @@
           <a:p>
             <a:fld id="{A0E4BBAC-6860-452D-9471-59C0324BAA9B}" type="datetimeFigureOut">
               <a:rPr lang="de-CH" smtClean="0"/>
-              <a:t>17.05.2018</a:t>
+              <a:t>18.05.2018</a:t>
             </a:fld>
             <a:endParaRPr lang="de-CH"/>
           </a:p>
@@ -5115,13 +5720,71 @@
         </p:nvSpPr>
         <p:spPr/>
         <p:txBody>
-          <a:bodyPr/>
-          <a:lstStyle/>
-          <a:p>
-            <a:endParaRPr lang="de-CH" dirty="0"/>
-          </a:p>
-        </p:txBody>
-      </p:sp>
+          <a:bodyPr>
+            <a:normAutofit/>
+          </a:bodyPr>
+          <a:lstStyle/>
+          <a:p>
+            <a:r>
+              <a:rPr lang="de-CH" sz="3200" dirty="0"/>
+              <a:t>Angriffe</a:t>
+            </a:r>
+          </a:p>
+          <a:p>
+            <a:r>
+              <a:rPr lang="de-CH" sz="3200" dirty="0"/>
+              <a:t>Meinungsaufforderungen</a:t>
+            </a:r>
+          </a:p>
+        </p:txBody>
+      </p:sp>
+      <p:pic>
+        <p:nvPicPr>
+          <p:cNvPr id="6" name="Picture 2" descr="like, thumbs, thumbs up, up, vote icon">
+            <a:extLst>
+              <a:ext uri="{FF2B5EF4-FFF2-40B4-BE49-F238E27FC236}">
+                <a16:creationId xmlns:a16="http://schemas.microsoft.com/office/drawing/2014/main" id="{14D699D1-B4C2-4EB7-898A-CD7FCBC37084}"/>
+              </a:ext>
+            </a:extLst>
+          </p:cNvPr>
+          <p:cNvPicPr>
+            <a:picLocks noChangeAspect="1" noChangeArrowheads="1"/>
+          </p:cNvPicPr>
+          <p:nvPr/>
+        </p:nvPicPr>
+        <p:blipFill>
+          <a:blip r:embed="rId3">
+            <a:extLst>
+              <a:ext uri="{28A0092B-C50C-407E-A947-70E740481C1C}">
+                <a14:useLocalDpi xmlns:a14="http://schemas.microsoft.com/office/drawing/2010/main" val="0"/>
+              </a:ext>
+            </a:extLst>
+          </a:blip>
+          <a:srcRect/>
+          <a:stretch>
+            <a:fillRect/>
+          </a:stretch>
+        </p:blipFill>
+        <p:spPr bwMode="auto">
+          <a:xfrm rot="10800000">
+            <a:off x="8717280" y="3429000"/>
+            <a:ext cx="2438400" cy="2438400"/>
+          </a:xfrm>
+          <a:prstGeom prst="rect">
+            <a:avLst/>
+          </a:prstGeom>
+          <a:noFill/>
+          <a:extLst>
+            <a:ext uri="{909E8E84-426E-40DD-AFC4-6F175D3DCCD1}">
+              <a14:hiddenFill xmlns:a14="http://schemas.microsoft.com/office/drawing/2010/main">
+                <a:solidFill>
+                  <a:srgbClr val="FFFFFF"/>
+                </a:solidFill>
+              </a14:hiddenFill>
+            </a:ext>
+          </a:extLst>
+        </p:spPr>
+      </p:pic>
     </p:spTree>
     <p:extLst>
       <p:ext uri="{BB962C8B-B14F-4D97-AF65-F5344CB8AC3E}">
@@ -5175,7 +5838,7 @@
           <a:p>
             <a:r>
               <a:rPr lang="de-CH" dirty="0"/>
-              <a:t>Rollenspiel 1</a:t>
+              <a:t>Rollenspiele</a:t>
             </a:r>
           </a:p>
         </p:txBody>
@@ -5198,28 +5861,31 @@
         </p:nvSpPr>
         <p:spPr/>
         <p:txBody>
-          <a:bodyPr/>
-          <a:lstStyle/>
-          <a:p>
-            <a:r>
-              <a:rPr lang="de-CH" dirty="0"/>
-              <a:t>Diskussion zwischen zwei Personen, weil ein Baum gefällt werden soll</a:t>
-            </a:r>
-          </a:p>
-          <a:p>
+          <a:bodyPr>
+            <a:normAutofit/>
+          </a:bodyPr>
+          <a:lstStyle/>
+          <a:p>
+            <a:r>
+              <a:rPr lang="de-CH" sz="3200" dirty="0"/>
+              <a:t>Diskussion zwischen zwei Nachbaren, ob ein Baum gefällt werden soll. Nachbar 1 will ihn so lassen, während Nachbar 2 den Baum fällen lassen will. Nachbar 2 gibt nun seine Begründung.</a:t>
+            </a:r>
+          </a:p>
+          <a:p>
+            <a:endParaRPr lang="de-CH" sz="3200" dirty="0"/>
+          </a:p>
+          <a:p>
+            <a:r>
+              <a:rPr lang="de-CH" sz="3200" dirty="0"/>
+              <a:t>Nachbar 1: Severin</a:t>
+            </a:r>
+          </a:p>
+          <a:p>
+            <a:r>
+              <a:rPr lang="de-CH" sz="3200" dirty="0"/>
+              <a:t>Nachbar 2: Marius</a:t>
+            </a:r>
             <a:endParaRPr lang="de-CH" dirty="0"/>
-          </a:p>
-          <a:p>
-            <a:r>
-              <a:rPr lang="de-CH" dirty="0"/>
-              <a:t>Person 1: Severin</a:t>
-            </a:r>
-          </a:p>
-          <a:p>
-            <a:r>
-              <a:rPr lang="de-CH" dirty="0"/>
-              <a:t>Person 2: Marius</a:t>
-            </a:r>
           </a:p>
         </p:txBody>
       </p:sp>
@@ -5258,7 +5924,7 @@
           <p:cNvPr id="2" name="Titel 1">
             <a:extLst>
               <a:ext uri="{FF2B5EF4-FFF2-40B4-BE49-F238E27FC236}">
-                <a16:creationId xmlns:a16="http://schemas.microsoft.com/office/drawing/2014/main" id="{6B4F62E3-4AA2-417B-B843-B53FC2D208C9}"/>
+                <a16:creationId xmlns:a16="http://schemas.microsoft.com/office/drawing/2014/main" id="{55ACA97D-BB0F-49E7-8388-530869247D80}"/>
               </a:ext>
             </a:extLst>
           </p:cNvPr>
@@ -5276,17 +5942,17 @@
           <a:p>
             <a:r>
               <a:rPr lang="de-CH" dirty="0"/>
-              <a:t>Rollenspiel 2</a:t>
-            </a:r>
-          </a:p>
-        </p:txBody>
-      </p:sp>
-      <p:sp>
-        <p:nvSpPr>
-          <p:cNvPr id="3" name="Inhaltsplatzhalter 2">
+              <a:t>Fragen?</a:t>
+            </a:r>
+          </a:p>
+        </p:txBody>
+      </p:sp>
+      <p:sp>
+        <p:nvSpPr>
+          <p:cNvPr id="4" name="Textplatzhalter 3">
             <a:extLst>
               <a:ext uri="{FF2B5EF4-FFF2-40B4-BE49-F238E27FC236}">
-                <a16:creationId xmlns:a16="http://schemas.microsoft.com/office/drawing/2014/main" id="{ADDC857B-7DCC-46CA-9581-2477D9DB5612}"/>
+                <a16:creationId xmlns:a16="http://schemas.microsoft.com/office/drawing/2014/main" id="{08B0FAD8-1136-4D88-B592-E56EFD0F2376}"/>
               </a:ext>
             </a:extLst>
           </p:cNvPr>
@@ -5294,22 +5960,72 @@
             <a:spLocks noGrp="1"/>
           </p:cNvSpPr>
           <p:nvPr>
-            <p:ph idx="1"/>
-          </p:nvPr>
-        </p:nvSpPr>
-        <p:spPr/>
-        <p:txBody>
-          <a:bodyPr/>
-          <a:lstStyle/>
-          <a:p>
-            <a:endParaRPr lang="de-CH"/>
-          </a:p>
-        </p:txBody>
-      </p:sp>
+            <p:ph type="body" idx="1"/>
+          </p:nvPr>
+        </p:nvSpPr>
+        <p:spPr/>
+        <p:txBody>
+          <a:bodyPr/>
+          <a:lstStyle/>
+          <a:p>
+            <a:r>
+              <a:rPr lang="de-CH" dirty="0"/>
+              <a:t> </a:t>
+            </a:r>
+          </a:p>
+        </p:txBody>
+      </p:sp>
+      <p:pic>
+        <p:nvPicPr>
+          <p:cNvPr id="4098" name="Picture 2" descr="interface, question, question mark icon">
+            <a:extLst>
+              <a:ext uri="{FF2B5EF4-FFF2-40B4-BE49-F238E27FC236}">
+                <a16:creationId xmlns:a16="http://schemas.microsoft.com/office/drawing/2014/main" id="{D7A01AE5-6872-4B02-A724-67F9A0609EB3}"/>
+              </a:ext>
+            </a:extLst>
+          </p:cNvPr>
+          <p:cNvPicPr>
+            <a:picLocks noChangeAspect="1" noChangeArrowheads="1"/>
+          </p:cNvPicPr>
+          <p:nvPr/>
+        </p:nvPicPr>
+        <p:blipFill>
+          <a:blip r:embed="rId3">
+            <a:extLst>
+              <a:ext uri="{28A0092B-C50C-407E-A947-70E740481C1C}">
+                <a14:useLocalDpi xmlns:a14="http://schemas.microsoft.com/office/drawing/2010/main" val="0"/>
+              </a:ext>
+            </a:extLst>
+          </a:blip>
+          <a:srcRect/>
+          <a:stretch>
+            <a:fillRect/>
+          </a:stretch>
+        </p:blipFill>
+        <p:spPr bwMode="auto">
+          <a:xfrm>
+            <a:off x="8717280" y="1746110"/>
+            <a:ext cx="2438400" cy="2438400"/>
+          </a:xfrm>
+          <a:prstGeom prst="rect">
+            <a:avLst/>
+          </a:prstGeom>
+          <a:noFill/>
+          <a:extLst>
+            <a:ext uri="{909E8E84-426E-40DD-AFC4-6F175D3DCCD1}">
+              <a14:hiddenFill xmlns:a14="http://schemas.microsoft.com/office/drawing/2010/main">
+                <a:solidFill>
+                  <a:srgbClr val="FFFFFF"/>
+                </a:solidFill>
+              </a14:hiddenFill>
+            </a:ext>
+          </a:extLst>
+        </p:spPr>
+      </p:pic>
     </p:spTree>
     <p:extLst>
       <p:ext uri="{BB962C8B-B14F-4D97-AF65-F5344CB8AC3E}">
-        <p14:creationId xmlns:p14="http://schemas.microsoft.com/office/powerpoint/2010/main" val="4173624707"/>
+        <p14:creationId xmlns:p14="http://schemas.microsoft.com/office/powerpoint/2010/main" val="1716585638"/>
       </p:ext>
     </p:extLst>
   </p:cSld>
@@ -5554,8 +6270,8 @@
         </p:blipFill>
         <p:spPr bwMode="auto">
           <a:xfrm>
-            <a:off x="7350103" y="2063517"/>
-            <a:ext cx="3805577" cy="3805577"/>
+            <a:off x="8524568" y="3237982"/>
+            <a:ext cx="2631112" cy="2631112"/>
           </a:xfrm>
           <a:prstGeom prst="rect">
             <a:avLst/>
@@ -5721,8 +6437,8 @@
         </p:blipFill>
         <p:spPr bwMode="auto">
           <a:xfrm>
-            <a:off x="8116529" y="3429000"/>
-            <a:ext cx="3039151" cy="3039151"/>
+            <a:off x="8346112" y="2956287"/>
+            <a:ext cx="2809568" cy="2809568"/>
           </a:xfrm>
           <a:prstGeom prst="rect">
             <a:avLst/>
@@ -6094,6 +6810,12 @@
               <a:t>Gefühle in Worte fassen</a:t>
             </a:r>
           </a:p>
+          <a:p>
+            <a:r>
+              <a:rPr lang="de-CH" sz="3200" dirty="0"/>
+              <a:t>Gefühlsvermutungen</a:t>
+            </a:r>
+          </a:p>
         </p:txBody>
       </p:sp>
       <p:pic>
@@ -6238,6 +6960,53 @@
           </a:p>
         </p:txBody>
       </p:sp>
+      <p:pic>
+        <p:nvPicPr>
+          <p:cNvPr id="1026" name="Picture 2" descr="Bildergebnis fÃ¼r problem png icon">
+            <a:extLst>
+              <a:ext uri="{FF2B5EF4-FFF2-40B4-BE49-F238E27FC236}">
+                <a16:creationId xmlns:a16="http://schemas.microsoft.com/office/drawing/2014/main" id="{CD7986BE-D530-48E6-B9CB-4F6FE6D16572}"/>
+              </a:ext>
+            </a:extLst>
+          </p:cNvPr>
+          <p:cNvPicPr>
+            <a:picLocks noChangeAspect="1" noChangeArrowheads="1"/>
+          </p:cNvPicPr>
+          <p:nvPr/>
+        </p:nvPicPr>
+        <p:blipFill>
+          <a:blip r:embed="rId3">
+            <a:extLst>
+              <a:ext uri="{28A0092B-C50C-407E-A947-70E740481C1C}">
+                <a14:useLocalDpi xmlns:a14="http://schemas.microsoft.com/office/drawing/2010/main" val="0"/>
+              </a:ext>
+            </a:extLst>
+          </a:blip>
+          <a:srcRect/>
+          <a:stretch>
+            <a:fillRect/>
+          </a:stretch>
+        </p:blipFill>
+        <p:spPr bwMode="auto">
+          <a:xfrm>
+            <a:off x="7666703" y="3493313"/>
+            <a:ext cx="4525297" cy="2375781"/>
+          </a:xfrm>
+          <a:prstGeom prst="rect">
+            <a:avLst/>
+          </a:prstGeom>
+          <a:noFill/>
+          <a:extLst>
+            <a:ext uri="{909E8E84-426E-40DD-AFC4-6F175D3DCCD1}">
+              <a14:hiddenFill xmlns:a14="http://schemas.microsoft.com/office/drawing/2010/main">
+                <a:solidFill>
+                  <a:srgbClr val="FFFFFF"/>
+                </a:solidFill>
+              </a14:hiddenFill>
+            </a:ext>
+          </a:extLst>
+        </p:spPr>
+      </p:pic>
     </p:spTree>
     <p:extLst>
       <p:ext uri="{BB962C8B-B14F-4D97-AF65-F5344CB8AC3E}">
@@ -6314,13 +7083,77 @@
         </p:nvSpPr>
         <p:spPr/>
         <p:txBody>
-          <a:bodyPr/>
-          <a:lstStyle/>
-          <a:p>
-            <a:endParaRPr lang="de-CH" dirty="0"/>
-          </a:p>
-        </p:txBody>
-      </p:sp>
+          <a:bodyPr>
+            <a:normAutofit/>
+          </a:bodyPr>
+          <a:lstStyle/>
+          <a:p>
+            <a:r>
+              <a:rPr lang="de-CH" sz="3200" dirty="0"/>
+              <a:t>Meinung</a:t>
+            </a:r>
+          </a:p>
+          <a:p>
+            <a:r>
+              <a:rPr lang="de-CH" sz="3200" dirty="0"/>
+              <a:t>Verständnis prüfen</a:t>
+            </a:r>
+          </a:p>
+          <a:p>
+            <a:r>
+              <a:rPr lang="de-CH" sz="3200" dirty="0"/>
+              <a:t>Beratungsgespräch</a:t>
+            </a:r>
+          </a:p>
+        </p:txBody>
+      </p:sp>
+      <p:pic>
+        <p:nvPicPr>
+          <p:cNvPr id="3074" name="Picture 2" descr="like, thumbs, thumbs up, up, vote icon">
+            <a:extLst>
+              <a:ext uri="{FF2B5EF4-FFF2-40B4-BE49-F238E27FC236}">
+                <a16:creationId xmlns:a16="http://schemas.microsoft.com/office/drawing/2014/main" id="{1B4DDD12-8234-4327-BF59-A1B2E52AE647}"/>
+              </a:ext>
+            </a:extLst>
+          </p:cNvPr>
+          <p:cNvPicPr>
+            <a:picLocks noChangeAspect="1" noChangeArrowheads="1"/>
+          </p:cNvPicPr>
+          <p:nvPr/>
+        </p:nvPicPr>
+        <p:blipFill>
+          <a:blip r:embed="rId3">
+            <a:extLst>
+              <a:ext uri="{28A0092B-C50C-407E-A947-70E740481C1C}">
+                <a14:useLocalDpi xmlns:a14="http://schemas.microsoft.com/office/drawing/2010/main" val="0"/>
+              </a:ext>
+            </a:extLst>
+          </a:blip>
+          <a:srcRect/>
+          <a:stretch>
+            <a:fillRect/>
+          </a:stretch>
+        </p:blipFill>
+        <p:spPr bwMode="auto">
+          <a:xfrm>
+            <a:off x="8656320" y="3429000"/>
+            <a:ext cx="2438400" cy="2438400"/>
+          </a:xfrm>
+          <a:prstGeom prst="rect">
+            <a:avLst/>
+          </a:prstGeom>
+          <a:noFill/>
+          <a:extLst>
+            <a:ext uri="{909E8E84-426E-40DD-AFC4-6F175D3DCCD1}">
+              <a14:hiddenFill xmlns:a14="http://schemas.microsoft.com/office/drawing/2010/main">
+                <a:solidFill>
+                  <a:srgbClr val="FFFFFF"/>
+                </a:solidFill>
+              </a14:hiddenFill>
+            </a:ext>
+          </a:extLst>
+        </p:spPr>
+      </p:pic>
     </p:spTree>
     <p:extLst>
       <p:ext uri="{BB962C8B-B14F-4D97-AF65-F5344CB8AC3E}">

--- a/Aktives Zuhören - Präsentation.pptx
+++ b/Aktives Zuhören - Präsentation.pptx
@@ -1043,6 +1043,16 @@
               <a:t>Richtige Dialoge statt abwechselnde Monologe</a:t>
             </a:r>
           </a:p>
+          <a:p>
+            <a:pPr marL="171450" indent="-171450">
+              <a:buFont typeface="Arial" panose="020B0604020202020204" pitchFamily="34" charset="0"/>
+              <a:buChar char="•"/>
+            </a:pPr>
+            <a:r>
+              <a:rPr lang="de-CH" dirty="0"/>
+              <a:t>Automatischer Vorgang</a:t>
+            </a:r>
+          </a:p>
         </p:txBody>
       </p:sp>
       <p:sp>
@@ -1141,7 +1151,7 @@
             </a:pPr>
             <a:r>
               <a:rPr lang="de-CH" dirty="0"/>
-              <a:t>Bereitschaft zuzuhören</a:t>
+              <a:t>Bereitschaft zuzuhören, wenn möglich</a:t>
             </a:r>
           </a:p>
           <a:p>
@@ -1628,6 +1638,16 @@
               <a:buFont typeface="Arial" panose="020B0604020202020204" pitchFamily="34" charset="0"/>
               <a:buChar char="•"/>
             </a:pPr>
+            <a:r>
+              <a:rPr lang="de-CH" dirty="0"/>
+              <a:t>Je nach Situation, z.B. nicht zwischen Vorgesetzten und Mitarbeiter</a:t>
+            </a:r>
+          </a:p>
+          <a:p>
+            <a:pPr marL="171450" indent="-171450">
+              <a:buFont typeface="Arial" panose="020B0604020202020204" pitchFamily="34" charset="0"/>
+              <a:buChar char="•"/>
+            </a:pPr>
             <a:endParaRPr lang="de-CH" dirty="0"/>
           </a:p>
         </p:txBody>
@@ -1832,6 +1852,16 @@
         <p:txBody>
           <a:bodyPr/>
           <a:lstStyle/>
+          <a:p>
+            <a:pPr marL="171450" indent="-171450">
+              <a:buFont typeface="Arial" panose="020B0604020202020204" pitchFamily="34" charset="0"/>
+              <a:buChar char="•"/>
+            </a:pPr>
+            <a:r>
+              <a:rPr lang="de-CH" dirty="0"/>
+              <a:t>Für komplexe Themen die viel Verständnis benötigen, (z.B. eine Auftragsübergabe)</a:t>
+            </a:r>
+          </a:p>
           <a:p>
             <a:pPr marL="171450" indent="-171450">
               <a:buFont typeface="Arial" panose="020B0604020202020204" pitchFamily="34" charset="0"/>
@@ -5868,7 +5898,7 @@
           <a:p>
             <a:r>
               <a:rPr lang="de-CH" sz="3200" dirty="0"/>
-              <a:t>Diskussion zwischen zwei Nachbaren, ob ein Baum gefällt werden soll. Nachbar 1 will ihn so lassen, während Nachbar 2 den Baum fällen lassen will. Nachbar 2 gibt nun seine Begründung.</a:t>
+              <a:t>Der Projektleiter will dem Entwickler seinen Auftrag mitteilen.</a:t>
             </a:r>
           </a:p>
           <a:p>
@@ -5877,13 +5907,13 @@
           <a:p>
             <a:r>
               <a:rPr lang="de-CH" sz="3200" dirty="0"/>
-              <a:t>Nachbar 1: Severin</a:t>
+              <a:t>Entwickler: Severin</a:t>
             </a:r>
           </a:p>
           <a:p>
             <a:r>
               <a:rPr lang="de-CH" sz="3200" dirty="0"/>
-              <a:t>Nachbar 2: Marius</a:t>
+              <a:t>Projektleiter: Marius</a:t>
             </a:r>
             <a:endParaRPr lang="de-CH" dirty="0"/>
           </a:p>
@@ -7087,6 +7117,12 @@
             <a:normAutofit/>
           </a:bodyPr>
           <a:lstStyle/>
+          <a:p>
+            <a:r>
+              <a:rPr lang="de-CH" sz="3200" dirty="0"/>
+              <a:t>Komplexe Themen</a:t>
+            </a:r>
+          </a:p>
           <a:p>
             <a:r>
               <a:rPr lang="de-CH" sz="3200" dirty="0"/>
